--- a/Monitorizarea Resurselor.pptx
+++ b/Monitorizarea Resurselor.pptx
@@ -9,8 +9,8 @@
     <p:sldId id="261" r:id="rId3"/>
     <p:sldId id="257" r:id="rId4"/>
     <p:sldId id="258" r:id="rId5"/>
-    <p:sldId id="262" r:id="rId6"/>
-    <p:sldId id="263" r:id="rId7"/>
+    <p:sldId id="263" r:id="rId6"/>
+    <p:sldId id="262" r:id="rId7"/>
     <p:sldId id="264" r:id="rId8"/>
     <p:sldId id="265" r:id="rId9"/>
     <p:sldId id="266" r:id="rId10"/>
@@ -20,7 +20,8 @@
     <p:sldId id="269" r:id="rId14"/>
     <p:sldId id="270" r:id="rId15"/>
     <p:sldId id="271" r:id="rId16"/>
-    <p:sldId id="260" r:id="rId17"/>
+    <p:sldId id="272" r:id="rId17"/>
+    <p:sldId id="260" r:id="rId18"/>
   </p:sldIdLst>
   <p:sldSz cx="12192000" cy="6858000"/>
   <p:notesSz cx="6858000" cy="9144000"/>
@@ -4262,56 +4263,56 @@
             <p:ph idx="1"/>
             <p:extLst>
               <p:ext uri="{D42A27DB-BD31-4B8C-83A1-F6EECF244321}">
-                <p14:modId xmlns:p14="http://schemas.microsoft.com/office/powerpoint/2010/main" val="1849400264"/>
+                <p14:modId xmlns:p14="http://schemas.microsoft.com/office/powerpoint/2010/main" val="1579905723"/>
               </p:ext>
             </p:extLst>
           </p:nvPr>
         </p:nvGraphicFramePr>
         <p:xfrm>
-          <a:off x="3530599" y="0"/>
-          <a:ext cx="8280400" cy="7194846"/>
+          <a:off x="3437468" y="0"/>
+          <a:ext cx="8348132" cy="7129637"/>
         </p:xfrm>
         <a:graphic>
           <a:graphicData uri="http://schemas.openxmlformats.org/drawingml/2006/table">
             <a:tbl>
               <a:tblPr/>
               <a:tblGrid>
-                <a:gridCol w="1312334">
+                <a:gridCol w="1323069">
                   <a:extLst>
                     <a:ext uri="{9D8B030D-6E8A-4147-A177-3AD203B41FA5}">
                       <a16:colId xmlns:a16="http://schemas.microsoft.com/office/drawing/2014/main" val="779591452"/>
                     </a:ext>
                   </a:extLst>
                 </a:gridCol>
-                <a:gridCol w="1320800">
+                <a:gridCol w="1331604">
                   <a:extLst>
                     <a:ext uri="{9D8B030D-6E8A-4147-A177-3AD203B41FA5}">
                       <a16:colId xmlns:a16="http://schemas.microsoft.com/office/drawing/2014/main" val="2898531754"/>
                     </a:ext>
                   </a:extLst>
                 </a:gridCol>
-                <a:gridCol w="939800">
+                <a:gridCol w="947487">
                   <a:extLst>
                     <a:ext uri="{9D8B030D-6E8A-4147-A177-3AD203B41FA5}">
                       <a16:colId xmlns:a16="http://schemas.microsoft.com/office/drawing/2014/main" val="4079481938"/>
                     </a:ext>
                   </a:extLst>
                 </a:gridCol>
-                <a:gridCol w="1210734">
+                <a:gridCol w="1220637">
                   <a:extLst>
                     <a:ext uri="{9D8B030D-6E8A-4147-A177-3AD203B41FA5}">
                       <a16:colId xmlns:a16="http://schemas.microsoft.com/office/drawing/2014/main" val="1886055925"/>
                     </a:ext>
                   </a:extLst>
                 </a:gridCol>
-                <a:gridCol w="2302933">
+                <a:gridCol w="2321771">
                   <a:extLst>
                     <a:ext uri="{9D8B030D-6E8A-4147-A177-3AD203B41FA5}">
                       <a16:colId xmlns:a16="http://schemas.microsoft.com/office/drawing/2014/main" val="2582904095"/>
                     </a:ext>
                   </a:extLst>
                 </a:gridCol>
-                <a:gridCol w="1193799">
+                <a:gridCol w="1203564">
                   <a:extLst>
                     <a:ext uri="{9D8B030D-6E8A-4147-A177-3AD203B41FA5}">
                       <a16:colId xmlns:a16="http://schemas.microsoft.com/office/drawing/2014/main" val="1168064153"/>
@@ -4319,7 +4320,7 @@
                   </a:extLst>
                 </a:gridCol>
               </a:tblGrid>
-              <a:tr h="80824">
+              <a:tr h="514806">
                 <a:tc>
                   <a:txBody>
                     <a:bodyPr/>
@@ -4710,7 +4711,7 @@
                   </a:ext>
                 </a:extLst>
               </a:tr>
-              <a:tr h="102866">
+              <a:tr h="514806">
                 <a:tc>
                   <a:txBody>
                     <a:bodyPr/>
@@ -5112,7 +5113,7 @@
                   </a:ext>
                 </a:extLst>
               </a:tr>
-              <a:tr h="874364">
+              <a:tr h="1015415">
                 <a:tc>
                   <a:txBody>
                     <a:bodyPr/>
@@ -5595,7 +5596,7 @@
                   </a:ext>
                 </a:extLst>
               </a:tr>
-              <a:tr h="477594">
+              <a:tr h="514806">
                 <a:tc>
                   <a:txBody>
                     <a:bodyPr/>
@@ -6011,7 +6012,7 @@
                   </a:ext>
                 </a:extLst>
               </a:tr>
-              <a:tr h="675979">
+              <a:tr h="653081">
                 <a:tc>
                   <a:txBody>
                     <a:bodyPr/>
@@ -6466,7 +6467,7 @@
                   </a:ext>
                 </a:extLst>
               </a:tr>
-              <a:tr h="653936">
+              <a:tr h="1015415">
                 <a:tc>
                   <a:txBody>
                     <a:bodyPr/>
@@ -6921,7 +6922,7 @@
                   </a:ext>
                 </a:extLst>
               </a:tr>
-              <a:tr h="1006621">
+              <a:tr h="1516023">
                 <a:tc>
                   <a:txBody>
                     <a:bodyPr/>
@@ -7376,7 +7377,7 @@
                   </a:ext>
                 </a:extLst>
               </a:tr>
-              <a:tr h="1249091">
+              <a:tr h="1206780">
                 <a:tc>
                   <a:txBody>
                     <a:bodyPr/>
@@ -7974,6 +7975,92 @@
           <a:lstStyle/>
           <a:p>
             <a:r>
+              <a:rPr lang="en-US" dirty="0" smtClean="0"/>
+              <a:t>DEMO</a:t>
+            </a:r>
+            <a:endParaRPr lang="en-US" dirty="0"/>
+          </a:p>
+        </p:txBody>
+      </p:sp>
+      <p:pic>
+        <p:nvPicPr>
+          <p:cNvPr id="4" name="Content Placeholder 3"/>
+          <p:cNvPicPr>
+            <a:picLocks noGrp="1" noChangeAspect="1"/>
+          </p:cNvPicPr>
+          <p:nvPr>
+            <p:ph idx="1"/>
+          </p:nvPr>
+        </p:nvPicPr>
+        <p:blipFill>
+          <a:blip r:embed="rId2"/>
+          <a:stretch>
+            <a:fillRect/>
+          </a:stretch>
+        </p:blipFill>
+        <p:spPr>
+          <a:xfrm>
+            <a:off x="3868738" y="1340794"/>
+            <a:ext cx="7315200" cy="4166886"/>
+          </a:xfrm>
+          <a:prstGeom prst="rect">
+            <a:avLst/>
+          </a:prstGeom>
+        </p:spPr>
+      </p:pic>
+    </p:spTree>
+    <p:extLst>
+      <p:ext uri="{BB962C8B-B14F-4D97-AF65-F5344CB8AC3E}">
+        <p14:creationId xmlns:p14="http://schemas.microsoft.com/office/powerpoint/2010/main" val="2720406121"/>
+      </p:ext>
+    </p:extLst>
+  </p:cSld>
+  <p:clrMapOvr>
+    <a:masterClrMapping/>
+  </p:clrMapOvr>
+  <p:timing>
+    <p:tnLst>
+      <p:par>
+        <p:cTn id="1" dur="indefinite" restart="never" nodeType="tmRoot"/>
+      </p:par>
+    </p:tnLst>
+  </p:timing>
+</p:sld>
+</file>
+
+<file path=ppt/slides/slide17.xml><?xml version="1.0" encoding="utf-8"?>
+<p:sld xmlns:a="http://schemas.openxmlformats.org/drawingml/2006/main" xmlns:r="http://schemas.openxmlformats.org/officeDocument/2006/relationships" xmlns:p="http://schemas.openxmlformats.org/presentationml/2006/main">
+  <p:cSld>
+    <p:spTree>
+      <p:nvGrpSpPr>
+        <p:cNvPr id="1" name=""/>
+        <p:cNvGrpSpPr/>
+        <p:nvPr/>
+      </p:nvGrpSpPr>
+      <p:grpSpPr>
+        <a:xfrm>
+          <a:off x="0" y="0"/>
+          <a:ext cx="0" cy="0"/>
+          <a:chOff x="0" y="0"/>
+          <a:chExt cx="0" cy="0"/>
+        </a:xfrm>
+      </p:grpSpPr>
+      <p:sp>
+        <p:nvSpPr>
+          <p:cNvPr id="2" name="Title 1"/>
+          <p:cNvSpPr>
+            <a:spLocks noGrp="1"/>
+          </p:cNvSpPr>
+          <p:nvPr>
+            <p:ph type="title"/>
+          </p:nvPr>
+        </p:nvSpPr>
+        <p:spPr/>
+        <p:txBody>
+          <a:bodyPr/>
+          <a:lstStyle/>
+          <a:p>
+            <a:r>
               <a:rPr lang="en-US" dirty="0" err="1" smtClean="0"/>
               <a:t>Mul</a:t>
             </a:r>
@@ -8068,8 +8155,8 @@
           <a:lstStyle/>
           <a:p>
             <a:r>
-              <a:rPr lang="ro-RO" dirty="0" smtClean="0"/>
-              <a:t>Ce?</a:t>
+              <a:rPr lang="en-US" dirty="0" smtClean="0"/>
+              <a:t>Agenda</a:t>
             </a:r>
             <a:endParaRPr lang="en-US" dirty="0"/>
           </a:p>
@@ -8997,8 +9084,8 @@
           <a:lstStyle/>
           <a:p>
             <a:r>
-              <a:rPr lang="ro-RO" dirty="0" smtClean="0"/>
-              <a:t>Cum</a:t>
+              <a:rPr lang="en-US" dirty="0" smtClean="0"/>
+              <a:t>Retrieve metrics</a:t>
             </a:r>
             <a:endParaRPr lang="en-US" dirty="0"/>
           </a:p>
@@ -9016,58 +9103,106 @@
         </p:nvSpPr>
         <p:spPr/>
         <p:txBody>
-          <a:bodyPr>
-            <a:normAutofit/>
-          </a:bodyPr>
+          <a:bodyPr/>
           <a:lstStyle/>
           <a:p>
-            <a:r>
-              <a:rPr lang="ro-RO" sz="1600" dirty="0"/>
-              <a:t>Microsoft.WindowsAzure.Management.Monitoring last updated 1/30/2015</a:t>
-            </a:r>
-          </a:p>
-          <a:p>
-            <a:r>
-              <a:rPr lang="ro-RO" sz="1600" dirty="0" smtClean="0"/>
-              <a:t>Microsoft.Azure.Management.Monitor 0.20 preview</a:t>
-            </a:r>
-          </a:p>
-          <a:p>
-            <a:r>
-              <a:rPr lang="ro-RO" sz="1600" dirty="0"/>
-              <a:t>Microsoft.Azure.Insights </a:t>
-            </a:r>
-            <a:r>
-              <a:rPr lang="ro-RO" sz="1600" dirty="0" smtClean="0"/>
-              <a:t>0.15.0-preview</a:t>
-            </a:r>
-          </a:p>
-          <a:p>
-            <a:endParaRPr lang="en-US" sz="1600" dirty="0" smtClean="0"/>
-          </a:p>
-          <a:p>
-            <a:r>
-              <a:rPr lang="ro-RO" sz="1600" dirty="0" smtClean="0"/>
-              <a:t>=</a:t>
-            </a:r>
-            <a:r>
-              <a:rPr lang="en-US" sz="1600" dirty="0" smtClean="0"/>
-              <a:t>&gt; </a:t>
-            </a:r>
-            <a:r>
-              <a:rPr lang="ro-RO" sz="1600" dirty="0" smtClean="0"/>
-              <a:t>REST APIs</a:t>
-            </a:r>
-          </a:p>
-          <a:p>
-            <a:endParaRPr lang="en-US" sz="1400" dirty="0"/>
+            <a:pPr marL="0" indent="0">
+              <a:buNone/>
+            </a:pPr>
+            <a:r>
+              <a:rPr lang="en-US" dirty="0" smtClean="0"/>
+              <a:t>You </a:t>
+            </a:r>
+            <a:r>
+              <a:rPr lang="en-US" dirty="0"/>
+              <a:t>can access and explore </a:t>
+            </a:r>
+            <a:r>
+              <a:rPr lang="en-US" dirty="0" smtClean="0"/>
+              <a:t>metrics via </a:t>
+            </a:r>
+            <a:r>
+              <a:rPr lang="en-US" dirty="0"/>
+              <a:t>the following:</a:t>
+            </a:r>
+          </a:p>
+          <a:p>
+            <a:endParaRPr lang="en-US" dirty="0"/>
+          </a:p>
+          <a:p>
+            <a:r>
+              <a:rPr lang="en-US" dirty="0"/>
+              <a:t>Metric Definitions and Metrics REST </a:t>
+            </a:r>
+            <a:r>
+              <a:rPr lang="en-US" dirty="0" smtClean="0"/>
+              <a:t>APIs</a:t>
+            </a:r>
+            <a:endParaRPr lang="en-US" dirty="0"/>
+          </a:p>
+          <a:p>
+            <a:r>
+              <a:rPr lang="en-US" dirty="0" smtClean="0"/>
+              <a:t> Azure </a:t>
+            </a:r>
+            <a:r>
+              <a:rPr lang="en-US" dirty="0"/>
+              <a:t>Portal </a:t>
+            </a:r>
+            <a:r>
+              <a:rPr lang="en-US" dirty="0" smtClean="0"/>
+              <a:t>preview.</a:t>
+            </a:r>
+            <a:endParaRPr lang="en-US" dirty="0"/>
+          </a:p>
+          <a:p>
+            <a:r>
+              <a:rPr lang="en-US" dirty="0"/>
+              <a:t>Azure CLI commands.</a:t>
+            </a:r>
+          </a:p>
+          <a:p>
+            <a:r>
+              <a:rPr lang="en-US" dirty="0"/>
+              <a:t>.NET </a:t>
+            </a:r>
+            <a:r>
+              <a:rPr lang="en-US" dirty="0" smtClean="0"/>
+              <a:t>SDK.</a:t>
+            </a:r>
+            <a:endParaRPr lang="en-US" dirty="0"/>
+          </a:p>
+          <a:p>
+            <a:r>
+              <a:rPr lang="en-US" dirty="0"/>
+              <a:t>Java </a:t>
+            </a:r>
+            <a:r>
+              <a:rPr lang="en-US" dirty="0" smtClean="0"/>
+              <a:t>SDK.</a:t>
+            </a:r>
+            <a:endParaRPr lang="en-US" dirty="0"/>
+          </a:p>
+          <a:p>
+            <a:r>
+              <a:rPr lang="en-US" dirty="0" err="1"/>
+              <a:t>Grafana</a:t>
+            </a:r>
+            <a:r>
+              <a:rPr lang="en-US" dirty="0"/>
+              <a:t> has also updated their Azure Monitor Plugin (version 0.1.0) to leverage these new APIs</a:t>
+            </a:r>
+            <a:r>
+              <a:rPr lang="en-US" dirty="0" smtClean="0"/>
+              <a:t>.</a:t>
+            </a:r>
           </a:p>
         </p:txBody>
       </p:sp>
     </p:spTree>
     <p:extLst>
       <p:ext uri="{BB962C8B-B14F-4D97-AF65-F5344CB8AC3E}">
-        <p14:creationId xmlns:p14="http://schemas.microsoft.com/office/powerpoint/2010/main" val="394383098"/>
+        <p14:creationId xmlns:p14="http://schemas.microsoft.com/office/powerpoint/2010/main" val="1014586590"/>
       </p:ext>
     </p:extLst>
   </p:cSld>
@@ -9118,7 +9253,11 @@
           <a:p>
             <a:r>
               <a:rPr lang="en-US" dirty="0" smtClean="0"/>
-              <a:t>Retrieve metrics</a:t>
+              <a:t>Tran</a:t>
+            </a:r>
+            <a:r>
+              <a:rPr lang="ro-RO" dirty="0" smtClean="0"/>
+              <a:t>sitions</a:t>
             </a:r>
             <a:endParaRPr lang="en-US" dirty="0"/>
           </a:p>
@@ -9136,106 +9275,58 @@
         </p:nvSpPr>
         <p:spPr/>
         <p:txBody>
-          <a:bodyPr/>
+          <a:bodyPr>
+            <a:normAutofit/>
+          </a:bodyPr>
           <a:lstStyle/>
           <a:p>
-            <a:pPr marL="0" indent="0">
-              <a:buNone/>
-            </a:pPr>
-            <a:r>
-              <a:rPr lang="en-US" dirty="0" smtClean="0"/>
-              <a:t>You </a:t>
-            </a:r>
-            <a:r>
-              <a:rPr lang="en-US" dirty="0"/>
-              <a:t>can access and explore </a:t>
-            </a:r>
-            <a:r>
-              <a:rPr lang="en-US" dirty="0" smtClean="0"/>
-              <a:t>metrics via </a:t>
-            </a:r>
-            <a:r>
-              <a:rPr lang="en-US" dirty="0"/>
-              <a:t>the following:</a:t>
-            </a:r>
-          </a:p>
-          <a:p>
-            <a:endParaRPr lang="en-US" dirty="0"/>
-          </a:p>
-          <a:p>
-            <a:r>
-              <a:rPr lang="en-US" dirty="0"/>
-              <a:t>Metric Definitions and Metrics REST </a:t>
-            </a:r>
-            <a:r>
-              <a:rPr lang="en-US" dirty="0" smtClean="0"/>
-              <a:t>APIs</a:t>
-            </a:r>
-            <a:endParaRPr lang="en-US" dirty="0"/>
-          </a:p>
-          <a:p>
-            <a:r>
-              <a:rPr lang="en-US" dirty="0" smtClean="0"/>
-              <a:t> Azure </a:t>
-            </a:r>
-            <a:r>
-              <a:rPr lang="en-US" dirty="0"/>
-              <a:t>Portal </a:t>
-            </a:r>
-            <a:r>
-              <a:rPr lang="en-US" dirty="0" smtClean="0"/>
-              <a:t>preview.</a:t>
-            </a:r>
-            <a:endParaRPr lang="en-US" dirty="0"/>
-          </a:p>
-          <a:p>
-            <a:r>
-              <a:rPr lang="en-US" dirty="0"/>
-              <a:t>Azure CLI commands.</a:t>
-            </a:r>
-          </a:p>
-          <a:p>
-            <a:r>
-              <a:rPr lang="en-US" dirty="0"/>
-              <a:t>.NET </a:t>
-            </a:r>
-            <a:r>
-              <a:rPr lang="en-US" dirty="0" smtClean="0"/>
-              <a:t>SDK.</a:t>
-            </a:r>
-            <a:endParaRPr lang="en-US" dirty="0"/>
-          </a:p>
-          <a:p>
-            <a:r>
-              <a:rPr lang="en-US" dirty="0"/>
-              <a:t>Java </a:t>
-            </a:r>
-            <a:r>
-              <a:rPr lang="en-US" dirty="0" smtClean="0"/>
-              <a:t>SDK.</a:t>
-            </a:r>
-            <a:endParaRPr lang="en-US" dirty="0"/>
-          </a:p>
-          <a:p>
-            <a:r>
-              <a:rPr lang="en-US" dirty="0" err="1"/>
-              <a:t>Grafana</a:t>
-            </a:r>
-            <a:r>
-              <a:rPr lang="en-US" dirty="0"/>
-              <a:t> has also updated their Azure Monitor Plugin (version 0.1.0) to leverage these new APIs</a:t>
-            </a:r>
-            <a:r>
-              <a:rPr lang="en-US" dirty="0" smtClean="0"/>
-              <a:t>.</a:t>
-            </a:r>
+            <a:r>
+              <a:rPr lang="ro-RO" sz="1600" dirty="0"/>
+              <a:t>Microsoft.WindowsAzure.Management.Monitoring last updated 1/30/2015</a:t>
+            </a:r>
+          </a:p>
+          <a:p>
+            <a:r>
+              <a:rPr lang="ro-RO" sz="1600" dirty="0" smtClean="0"/>
+              <a:t>Microsoft.Azure.Management.Monitor 0.20 preview</a:t>
+            </a:r>
+          </a:p>
+          <a:p>
+            <a:r>
+              <a:rPr lang="ro-RO" sz="1600" dirty="0"/>
+              <a:t>Microsoft.Azure.Insights </a:t>
+            </a:r>
+            <a:r>
+              <a:rPr lang="ro-RO" sz="1600" dirty="0" smtClean="0"/>
+              <a:t>0.15.0-preview</a:t>
+            </a:r>
+          </a:p>
+          <a:p>
+            <a:endParaRPr lang="en-US" sz="1600" dirty="0" smtClean="0"/>
+          </a:p>
+          <a:p>
+            <a:r>
+              <a:rPr lang="ro-RO" sz="1600" dirty="0" smtClean="0"/>
+              <a:t>=</a:t>
+            </a:r>
+            <a:r>
+              <a:rPr lang="en-US" sz="1600" dirty="0" smtClean="0"/>
+              <a:t>&gt; </a:t>
+            </a:r>
+            <a:r>
+              <a:rPr lang="ro-RO" sz="1600" dirty="0" smtClean="0"/>
+              <a:t>REST APIs</a:t>
+            </a:r>
+          </a:p>
+          <a:p>
+            <a:endParaRPr lang="en-US" sz="1400" dirty="0"/>
           </a:p>
         </p:txBody>
       </p:sp>
     </p:spTree>
     <p:extLst>
       <p:ext uri="{BB962C8B-B14F-4D97-AF65-F5344CB8AC3E}">
-        <p14:creationId xmlns:p14="http://schemas.microsoft.com/office/powerpoint/2010/main" val="1014586590"/>
+        <p14:creationId xmlns:p14="http://schemas.microsoft.com/office/powerpoint/2010/main" val="394383098"/>
       </p:ext>
     </p:extLst>
   </p:cSld>
